--- a/00_要件定義/要件定義.pptx
+++ b/00_要件定義/要件定義.pptx
@@ -224,7 +224,7 @@
           <a:p>
             <a:fld id="{A046F421-283D-46CC-9584-C06366A5C0C9}" type="datetimeFigureOut">
               <a:rPr kumimoji="1" lang="ja-JP" altLang="en-US" smtClean="0"/>
-              <a:t>2019/11/12</a:t>
+              <a:t>2019/11/13</a:t>
             </a:fld>
             <a:endParaRPr kumimoji="1" lang="ja-JP" altLang="en-US"/>
           </a:p>
@@ -390,7 +390,7 @@
           <a:p>
             <a:fld id="{D5559865-7D75-4A78-B0BE-F90C4DE4465F}" type="datetimeFigureOut">
               <a:rPr kumimoji="1" lang="ja-JP" altLang="en-US" smtClean="0"/>
-              <a:t>2019/11/12</a:t>
+              <a:t>2019/11/13</a:t>
             </a:fld>
             <a:endParaRPr kumimoji="1" lang="ja-JP" altLang="en-US"/>
           </a:p>
@@ -688,6 +688,109 @@
     </a:lvl9pPr>
   </p:notesStyle>
 </p:notesMaster>
+</file>
+
+<file path=ppt/notesSlides/notesSlide1.xml><?xml version="1.0" encoding="utf-8"?>
+<p:notes xmlns:a="http://schemas.openxmlformats.org/drawingml/2006/main" xmlns:r="http://schemas.openxmlformats.org/officeDocument/2006/relationships" xmlns:p="http://schemas.openxmlformats.org/presentationml/2006/main">
+  <p:cSld>
+    <p:spTree>
+      <p:nvGrpSpPr>
+        <p:cNvPr id="1" name=""/>
+        <p:cNvGrpSpPr/>
+        <p:nvPr/>
+      </p:nvGrpSpPr>
+      <p:grpSpPr>
+        <a:xfrm>
+          <a:off x="0" y="0"/>
+          <a:ext cx="0" cy="0"/>
+          <a:chOff x="0" y="0"/>
+          <a:chExt cx="0" cy="0"/>
+        </a:xfrm>
+      </p:grpSpPr>
+      <p:sp>
+        <p:nvSpPr>
+          <p:cNvPr id="2" name="スライド イメージ プレースホルダー 1"/>
+          <p:cNvSpPr>
+            <a:spLocks noGrp="1" noRot="1" noChangeAspect="1"/>
+          </p:cNvSpPr>
+          <p:nvPr>
+            <p:ph type="sldImg"/>
+          </p:nvPr>
+        </p:nvSpPr>
+        <p:spPr/>
+      </p:sp>
+      <p:sp>
+        <p:nvSpPr>
+          <p:cNvPr id="3" name="ノート プレースホルダー 2"/>
+          <p:cNvSpPr>
+            <a:spLocks noGrp="1"/>
+          </p:cNvSpPr>
+          <p:nvPr>
+            <p:ph type="body" idx="1"/>
+          </p:nvPr>
+        </p:nvSpPr>
+        <p:spPr/>
+        <p:txBody>
+          <a:bodyPr/>
+          <a:lstStyle/>
+          <a:p>
+            <a:endParaRPr kumimoji="1" lang="ja-JP" altLang="en-US" dirty="0"/>
+          </a:p>
+        </p:txBody>
+      </p:sp>
+      <p:sp>
+        <p:nvSpPr>
+          <p:cNvPr id="4" name="ヘッダー プレースホルダー 3"/>
+          <p:cNvSpPr>
+            <a:spLocks noGrp="1"/>
+          </p:cNvSpPr>
+          <p:nvPr>
+            <p:ph type="hdr" sz="quarter"/>
+          </p:nvPr>
+        </p:nvSpPr>
+        <p:spPr/>
+        <p:txBody>
+          <a:bodyPr/>
+          <a:lstStyle/>
+          <a:p>
+            <a:endParaRPr kumimoji="1" lang="ja-JP" altLang="en-US"/>
+          </a:p>
+        </p:txBody>
+      </p:sp>
+      <p:sp>
+        <p:nvSpPr>
+          <p:cNvPr id="5" name="スライド番号プレースホルダー 4"/>
+          <p:cNvSpPr>
+            <a:spLocks noGrp="1"/>
+          </p:cNvSpPr>
+          <p:nvPr>
+            <p:ph type="sldNum" sz="quarter" idx="5"/>
+          </p:nvPr>
+        </p:nvSpPr>
+        <p:spPr/>
+        <p:txBody>
+          <a:bodyPr/>
+          <a:lstStyle/>
+          <a:p>
+            <a:fld id="{22E3448F-F9EE-4E1E-AD4C-6F2AD119961D}" type="slidenum">
+              <a:rPr kumimoji="1" lang="ja-JP" altLang="en-US" smtClean="0"/>
+              <a:t>7</a:t>
+            </a:fld>
+            <a:endParaRPr kumimoji="1" lang="ja-JP" altLang="en-US"/>
+          </a:p>
+        </p:txBody>
+      </p:sp>
+    </p:spTree>
+    <p:extLst>
+      <p:ext uri="{BB962C8B-B14F-4D97-AF65-F5344CB8AC3E}">
+        <p14:creationId xmlns:p14="http://schemas.microsoft.com/office/powerpoint/2010/main" val="188616753"/>
+      </p:ext>
+    </p:extLst>
+  </p:cSld>
+  <p:clrMapOvr>
+    <a:masterClrMapping/>
+  </p:clrMapOvr>
+</p:notes>
 </file>
 
 <file path=ppt/slideLayouts/slideLayout1.xml><?xml version="1.0" encoding="utf-8"?>
@@ -2645,6 +2748,67 @@
           </a:p>
         </p:txBody>
       </p:sp>
+      <p:sp>
+        <p:nvSpPr>
+          <p:cNvPr id="11" name="吹き出し: 四角形 10">
+            <a:extLst>
+              <a:ext uri="{FF2B5EF4-FFF2-40B4-BE49-F238E27FC236}">
+                <a16:creationId xmlns:a16="http://schemas.microsoft.com/office/drawing/2014/main" id="{48B601F9-02FA-487C-896F-DBF8331E4CAF}"/>
+              </a:ext>
+            </a:extLst>
+          </p:cNvPr>
+          <p:cNvSpPr/>
+          <p:nvPr/>
+        </p:nvSpPr>
+        <p:spPr>
+          <a:xfrm>
+            <a:off x="7248128" y="4689140"/>
+            <a:ext cx="3096344" cy="1296144"/>
+          </a:xfrm>
+          <a:prstGeom prst="wedgeRectCallout">
+            <a:avLst>
+              <a:gd name="adj1" fmla="val -70587"/>
+              <a:gd name="adj2" fmla="val 19265"/>
+            </a:avLst>
+          </a:prstGeom>
+        </p:spPr>
+        <p:style>
+          <a:lnRef idx="2">
+            <a:schemeClr val="accent1">
+              <a:shade val="50000"/>
+            </a:schemeClr>
+          </a:lnRef>
+          <a:fillRef idx="1">
+            <a:schemeClr val="accent1"/>
+          </a:fillRef>
+          <a:effectRef idx="0">
+            <a:schemeClr val="accent1"/>
+          </a:effectRef>
+          <a:fontRef idx="minor">
+            <a:schemeClr val="lt1"/>
+          </a:fontRef>
+        </p:style>
+        <p:txBody>
+          <a:bodyPr rtlCol="0" anchor="ctr"/>
+          <a:lstStyle/>
+          <a:p>
+            <a:pPr algn="ctr"/>
+            <a:r>
+              <a:rPr kumimoji="1" lang="ja-JP" altLang="en-US" dirty="0"/>
+              <a:t>クライアント詳細画面へ</a:t>
+            </a:r>
+            <a:endParaRPr kumimoji="1" lang="en-US" altLang="ja-JP" dirty="0"/>
+          </a:p>
+          <a:p>
+            <a:pPr algn="ctr"/>
+            <a:r>
+              <a:rPr lang="ja-JP" altLang="en-US" dirty="0"/>
+              <a:t>リンク</a:t>
+            </a:r>
+            <a:endParaRPr kumimoji="1" lang="ja-JP" altLang="en-US" dirty="0"/>
+          </a:p>
+        </p:txBody>
+      </p:sp>
     </p:spTree>
     <p:extLst>
       <p:ext uri="{BB962C8B-B14F-4D97-AF65-F5344CB8AC3E}">
@@ -3166,7 +3330,7 @@
         <p:spPr>
           <a:xfrm>
             <a:off x="7032104" y="2204864"/>
-            <a:ext cx="2016224" cy="732472"/>
+            <a:ext cx="2016224" cy="587167"/>
           </a:xfrm>
           <a:prstGeom prst="wedgeRectCallout">
             <a:avLst>
@@ -3217,13 +3381,13 @@
         </p:nvSpPr>
         <p:spPr>
           <a:xfrm>
-            <a:off x="6937523" y="3257837"/>
-            <a:ext cx="2016224" cy="732472"/>
+            <a:off x="7023041" y="3711704"/>
+            <a:ext cx="2016224" cy="587167"/>
           </a:xfrm>
           <a:prstGeom prst="wedgeRectCallout">
             <a:avLst>
-              <a:gd name="adj1" fmla="val -69020"/>
-              <a:gd name="adj2" fmla="val 36693"/>
+              <a:gd name="adj1" fmla="val -69740"/>
+              <a:gd name="adj2" fmla="val -25105"/>
             </a:avLst>
           </a:prstGeom>
         </p:spPr>
@@ -3364,8 +3528,8 @@
         </p:nvSpPr>
         <p:spPr>
           <a:xfrm>
-            <a:off x="6960169" y="4328733"/>
-            <a:ext cx="2016224" cy="732472"/>
+            <a:off x="7023041" y="4465125"/>
+            <a:ext cx="2016224" cy="587553"/>
           </a:xfrm>
           <a:prstGeom prst="wedgeRectCallout">
             <a:avLst>
@@ -3398,6 +3562,58 @@
             <a:r>
               <a:rPr kumimoji="1" lang="ja-JP" altLang="en-US" dirty="0"/>
               <a:t>テキストボックス</a:t>
+            </a:r>
+          </a:p>
+        </p:txBody>
+      </p:sp>
+      <p:sp>
+        <p:nvSpPr>
+          <p:cNvPr id="16" name="吹き出し: 四角形 15">
+            <a:extLst>
+              <a:ext uri="{FF2B5EF4-FFF2-40B4-BE49-F238E27FC236}">
+                <a16:creationId xmlns:a16="http://schemas.microsoft.com/office/drawing/2014/main" id="{8A585AE6-14A9-429D-BF20-4A049ECAC2C5}"/>
+              </a:ext>
+            </a:extLst>
+          </p:cNvPr>
+          <p:cNvSpPr/>
+          <p:nvPr/>
+        </p:nvSpPr>
+        <p:spPr>
+          <a:xfrm>
+            <a:off x="7023041" y="2958284"/>
+            <a:ext cx="2016224" cy="587167"/>
+          </a:xfrm>
+          <a:prstGeom prst="wedgeRectCallout">
+            <a:avLst>
+              <a:gd name="adj1" fmla="val -69020"/>
+              <a:gd name="adj2" fmla="val 24334"/>
+            </a:avLst>
+          </a:prstGeom>
+        </p:spPr>
+        <p:style>
+          <a:lnRef idx="2">
+            <a:schemeClr val="accent1">
+              <a:shade val="50000"/>
+            </a:schemeClr>
+          </a:lnRef>
+          <a:fillRef idx="1">
+            <a:schemeClr val="accent1"/>
+          </a:fillRef>
+          <a:effectRef idx="0">
+            <a:schemeClr val="accent1"/>
+          </a:effectRef>
+          <a:fontRef idx="minor">
+            <a:schemeClr val="lt1"/>
+          </a:fontRef>
+        </p:style>
+        <p:txBody>
+          <a:bodyPr rtlCol="0" anchor="ctr"/>
+          <a:lstStyle/>
+          <a:p>
+            <a:pPr algn="ctr"/>
+            <a:r>
+              <a:rPr kumimoji="1" lang="ja-JP" altLang="en-US" dirty="0"/>
+              <a:t>自動採番</a:t>
             </a:r>
           </a:p>
         </p:txBody>
@@ -5533,14 +5749,14 @@
           <p:nvPr>
             <p:extLst>
               <p:ext uri="{D42A27DB-BD31-4B8C-83A1-F6EECF244321}">
-                <p14:modId xmlns:p14="http://schemas.microsoft.com/office/powerpoint/2010/main" val="2177143267"/>
+                <p14:modId xmlns:p14="http://schemas.microsoft.com/office/powerpoint/2010/main" val="4132795795"/>
               </p:ext>
             </p:extLst>
           </p:nvPr>
         </p:nvGraphicFramePr>
         <p:xfrm>
           <a:off x="550862" y="1412776"/>
-          <a:ext cx="11017224" cy="4079240"/>
+          <a:ext cx="11017224" cy="4450080"/>
         </p:xfrm>
         <a:graphic>
           <a:graphicData uri="http://schemas.openxmlformats.org/drawingml/2006/table">
@@ -6294,6 +6510,77 @@
                   </a:ext>
                 </a:extLst>
               </a:tr>
+              <a:tr h="370840">
+                <a:tc>
+                  <a:txBody>
+                    <a:bodyPr/>
+                    <a:lstStyle/>
+                    <a:p>
+                      <a:endParaRPr kumimoji="1" lang="ja-JP" altLang="en-US"/>
+                    </a:p>
+                  </a:txBody>
+                  <a:tcPr/>
+                </a:tc>
+                <a:tc>
+                  <a:txBody>
+                    <a:bodyPr/>
+                    <a:lstStyle/>
+                    <a:p>
+                      <a:endParaRPr kumimoji="1" lang="ja-JP" altLang="en-US" dirty="0"/>
+                    </a:p>
+                  </a:txBody>
+                  <a:tcPr/>
+                </a:tc>
+                <a:tc>
+                  <a:txBody>
+                    <a:bodyPr/>
+                    <a:lstStyle/>
+                    <a:p>
+                      <a:r>
+                        <a:rPr kumimoji="1" lang="ja-JP" altLang="en-US" dirty="0"/>
+                        <a:t>ユーザ名</a:t>
+                      </a:r>
+                    </a:p>
+                  </a:txBody>
+                  <a:tcPr/>
+                </a:tc>
+                <a:tc>
+                  <a:txBody>
+                    <a:bodyPr/>
+                    <a:lstStyle/>
+                    <a:p>
+                      <a:pPr marL="0" marR="0" lvl="0" indent="0" algn="l" defTabSz="914400" rtl="0" eaLnBrk="1" fontAlgn="auto" latinLnBrk="0" hangingPunct="1">
+                        <a:lnSpc>
+                          <a:spcPct val="100000"/>
+                        </a:lnSpc>
+                        <a:spcBef>
+                          <a:spcPts val="0"/>
+                        </a:spcBef>
+                        <a:spcAft>
+                          <a:spcPts val="0"/>
+                        </a:spcAft>
+                        <a:buClrTx/>
+                        <a:buSzTx/>
+                        <a:buFontTx/>
+                        <a:buNone/>
+                        <a:tabLst/>
+                        <a:defRPr/>
+                      </a:pPr>
+                      <a:r>
+                        <a:rPr kumimoji="1" lang="en-US" altLang="ja-JP" dirty="0"/>
+                        <a:t>Z(10)</a:t>
+                      </a:r>
+                      <a:endParaRPr kumimoji="1" lang="ja-JP" altLang="en-US" dirty="0"/>
+                    </a:p>
+                  </a:txBody>
+                  <a:tcPr/>
+                </a:tc>
+                <a:extLst>
+                  <a:ext uri="{0D108BD9-81ED-4DB2-BD59-A6C34878D82A}">
+                    <a16:rowId xmlns:a16="http://schemas.microsoft.com/office/drawing/2014/main" val="2203798258"/>
+                  </a:ext>
+                </a:extLst>
+              </a:tr>
             </a:tbl>
           </a:graphicData>
         </a:graphic>
@@ -6312,7 +6599,7 @@
         </p:nvSpPr>
         <p:spPr>
           <a:xfrm>
-            <a:off x="6816080" y="5589240"/>
+            <a:off x="6528048" y="6197772"/>
             <a:ext cx="4752528" cy="369332"/>
           </a:xfrm>
           <a:prstGeom prst="rect">
@@ -6340,8 +6627,21 @@
                   <a:srgbClr val="FF0000"/>
                 </a:solidFill>
               </a:rPr>
-              <a:t>印は任意項目</a:t>
-            </a:r>
+              <a:t>印は</a:t>
+            </a:r>
+            <a:r>
+              <a:rPr lang="ja-JP" altLang="en-US" dirty="0">
+                <a:solidFill>
+                  <a:srgbClr val="FF0000"/>
+                </a:solidFill>
+              </a:rPr>
+              <a:t>どちらかのみ返却</a:t>
+            </a:r>
+            <a:endParaRPr kumimoji="1" lang="ja-JP" altLang="en-US" dirty="0">
+              <a:solidFill>
+                <a:srgbClr val="FF0000"/>
+              </a:solidFill>
+            </a:endParaRPr>
           </a:p>
         </p:txBody>
       </p:sp>
@@ -6972,7 +7272,7 @@
         </p:nvSpPr>
         <p:spPr>
           <a:xfrm>
-            <a:off x="4048745" y="3030710"/>
+            <a:off x="4048745" y="3539258"/>
             <a:ext cx="1872208" cy="432048"/>
           </a:xfrm>
           <a:prstGeom prst="rect">
@@ -7018,7 +7318,7 @@
         </p:nvSpPr>
         <p:spPr>
           <a:xfrm>
-            <a:off x="4048745" y="2355503"/>
+            <a:off x="4048745" y="2864051"/>
             <a:ext cx="1872208" cy="432048"/>
           </a:xfrm>
           <a:prstGeom prst="rect">
@@ -7064,7 +7364,7 @@
         </p:nvSpPr>
         <p:spPr>
           <a:xfrm>
-            <a:off x="4060577" y="3649415"/>
+            <a:off x="4060577" y="4157963"/>
             <a:ext cx="936104" cy="279149"/>
           </a:xfrm>
           <a:prstGeom prst="rect">
@@ -7120,7 +7420,7 @@
         </p:nvSpPr>
         <p:spPr>
           <a:xfrm>
-            <a:off x="3416189" y="2396934"/>
+            <a:off x="3570250" y="2905482"/>
             <a:ext cx="504056" cy="369332"/>
           </a:xfrm>
           <a:prstGeom prst="rect">
@@ -7156,7 +7456,7 @@
         </p:nvSpPr>
         <p:spPr>
           <a:xfrm>
-            <a:off x="3143672" y="3062068"/>
+            <a:off x="3297733" y="3570616"/>
             <a:ext cx="782043" cy="369332"/>
           </a:xfrm>
           <a:prstGeom prst="rect">
@@ -7422,6 +7722,92 @@
               <a:rPr kumimoji="1" lang="ja-JP" altLang="en-US" dirty="0"/>
               <a:t>ログイン代行システム的な</a:t>
             </a:r>
+          </a:p>
+        </p:txBody>
+      </p:sp>
+      <p:sp>
+        <p:nvSpPr>
+          <p:cNvPr id="16" name="正方形/長方形 15">
+            <a:extLst>
+              <a:ext uri="{FF2B5EF4-FFF2-40B4-BE49-F238E27FC236}">
+                <a16:creationId xmlns:a16="http://schemas.microsoft.com/office/drawing/2014/main" id="{5EEDFEBD-C077-4710-B809-F084028BC295}"/>
+              </a:ext>
+            </a:extLst>
+          </p:cNvPr>
+          <p:cNvSpPr/>
+          <p:nvPr/>
+        </p:nvSpPr>
+        <p:spPr>
+          <a:xfrm>
+            <a:off x="4048745" y="2285756"/>
+            <a:ext cx="1872208" cy="432048"/>
+          </a:xfrm>
+          <a:prstGeom prst="rect">
+            <a:avLst/>
+          </a:prstGeom>
+        </p:spPr>
+        <p:style>
+          <a:lnRef idx="2">
+            <a:schemeClr val="accent1">
+              <a:shade val="50000"/>
+            </a:schemeClr>
+          </a:lnRef>
+          <a:fillRef idx="1">
+            <a:schemeClr val="accent1"/>
+          </a:fillRef>
+          <a:effectRef idx="0">
+            <a:schemeClr val="accent1"/>
+          </a:effectRef>
+          <a:fontRef idx="minor">
+            <a:schemeClr val="lt1"/>
+          </a:fontRef>
+        </p:style>
+        <p:txBody>
+          <a:bodyPr rtlCol="0" anchor="ctr"/>
+          <a:lstStyle/>
+          <a:p>
+            <a:pPr algn="ctr"/>
+            <a:endParaRPr kumimoji="1" lang="ja-JP" altLang="en-US"/>
+          </a:p>
+        </p:txBody>
+      </p:sp>
+      <p:sp>
+        <p:nvSpPr>
+          <p:cNvPr id="17" name="テキスト ボックス 16">
+            <a:extLst>
+              <a:ext uri="{FF2B5EF4-FFF2-40B4-BE49-F238E27FC236}">
+                <a16:creationId xmlns:a16="http://schemas.microsoft.com/office/drawing/2014/main" id="{56CCA6B4-DDA5-4730-812D-42BB5705DCB8}"/>
+              </a:ext>
+            </a:extLst>
+          </p:cNvPr>
+          <p:cNvSpPr txBox="1"/>
+          <p:nvPr/>
+        </p:nvSpPr>
+        <p:spPr>
+          <a:xfrm>
+            <a:off x="2999357" y="2327187"/>
+            <a:ext cx="1061220" cy="338554"/>
+          </a:xfrm>
+          <a:prstGeom prst="rect">
+            <a:avLst/>
+          </a:prstGeom>
+          <a:noFill/>
+        </p:spPr>
+        <p:txBody>
+          <a:bodyPr wrap="square" rtlCol="0">
+            <a:spAutoFit/>
+          </a:bodyPr>
+          <a:lstStyle/>
+          <a:p>
+            <a:r>
+              <a:rPr lang="ja-JP" altLang="en-US" sz="1600" dirty="0"/>
+              <a:t>ユーザ名</a:t>
+            </a:r>
+            <a:r>
+              <a:rPr kumimoji="1" lang="en-US" altLang="ja-JP" sz="1600" dirty="0"/>
+              <a:t>:</a:t>
+            </a:r>
+            <a:endParaRPr kumimoji="1" lang="ja-JP" altLang="en-US" sz="1600" dirty="0"/>
           </a:p>
         </p:txBody>
       </p:sp>

--- a/00_要件定義/要件定義.pptx
+++ b/00_要件定義/要件定義.pptx
@@ -5,10 +5,10 @@
     <p:sldMasterId id="2147483673" r:id="rId1"/>
   </p:sldMasterIdLst>
   <p:notesMasterIdLst>
-    <p:notesMasterId r:id="rId16"/>
+    <p:notesMasterId r:id="rId17"/>
   </p:notesMasterIdLst>
   <p:handoutMasterIdLst>
-    <p:handoutMasterId r:id="rId17"/>
+    <p:handoutMasterId r:id="rId18"/>
   </p:handoutMasterIdLst>
   <p:sldIdLst>
     <p:sldId id="267" r:id="rId2"/>
@@ -23,8 +23,9 @@
     <p:sldId id="283" r:id="rId11"/>
     <p:sldId id="282" r:id="rId12"/>
     <p:sldId id="285" r:id="rId13"/>
-    <p:sldId id="286" r:id="rId14"/>
-    <p:sldId id="274" r:id="rId15"/>
+    <p:sldId id="287" r:id="rId14"/>
+    <p:sldId id="286" r:id="rId15"/>
+    <p:sldId id="274" r:id="rId16"/>
   </p:sldIdLst>
   <p:sldSz cx="12192000" cy="6858000"/>
   <p:notesSz cx="6858000" cy="9144000"/>
@@ -1806,7 +1807,7 @@
         <p:spPr>
           <a:xfrm>
             <a:off x="2351584" y="2649488"/>
-            <a:ext cx="4661854" cy="830997"/>
+            <a:ext cx="4665123" cy="830997"/>
           </a:xfrm>
           <a:prstGeom prst="rect">
             <a:avLst/>
@@ -1819,14 +1820,35 @@
           </a:bodyPr>
           <a:lstStyle/>
           <a:p>
+            <a:r>
+              <a:rPr lang="en-US" altLang="ja-JP" sz="4800" b="1" dirty="0">
+                <a:latin typeface="Meiryo UI" panose="020B0604030504040204" pitchFamily="50" charset="-128"/>
+                <a:ea typeface="Meiryo UI" panose="020B0604030504040204" pitchFamily="50" charset="-128"/>
+                <a:cs typeface="Meiryo UI" panose="020B0604030504040204" pitchFamily="50" charset="-128"/>
+              </a:rPr>
+              <a:t>System</a:t>
+            </a:r>
             <a:r>
               <a:rPr lang="ja-JP" altLang="en-US" sz="4800" b="1" dirty="0">
                 <a:latin typeface="Meiryo UI" panose="020B0604030504040204" pitchFamily="50" charset="-128"/>
                 <a:ea typeface="Meiryo UI" panose="020B0604030504040204" pitchFamily="50" charset="-128"/>
                 <a:cs typeface="Meiryo UI" panose="020B0604030504040204" pitchFamily="50" charset="-128"/>
               </a:rPr>
-              <a:t>認可代行システム</a:t>
-            </a:r>
+              <a:t> </a:t>
+            </a:r>
+            <a:r>
+              <a:rPr lang="en-US" altLang="ja-JP" sz="4800" b="1" dirty="0">
+                <a:latin typeface="Meiryo UI" panose="020B0604030504040204" pitchFamily="50" charset="-128"/>
+                <a:ea typeface="Meiryo UI" panose="020B0604030504040204" pitchFamily="50" charset="-128"/>
+                <a:cs typeface="Meiryo UI" panose="020B0604030504040204" pitchFamily="50" charset="-128"/>
+              </a:rPr>
+              <a:t>Study</a:t>
+            </a:r>
+            <a:endParaRPr lang="ja-JP" altLang="en-US" sz="4800" b="1" dirty="0">
+              <a:latin typeface="Meiryo UI" panose="020B0604030504040204" pitchFamily="50" charset="-128"/>
+              <a:ea typeface="Meiryo UI" panose="020B0604030504040204" pitchFamily="50" charset="-128"/>
+              <a:cs typeface="Meiryo UI" panose="020B0604030504040204" pitchFamily="50" charset="-128"/>
+            </a:endParaRPr>
           </a:p>
         </p:txBody>
       </p:sp>
@@ -2133,9 +2155,10 @@
           <a:p>
             <a:pPr algn="ctr"/>
             <a:r>
-              <a:rPr kumimoji="1" lang="ja-JP" altLang="en-US" dirty="0"/>
-              <a:t>ログイン代行システム的な</a:t>
-            </a:r>
+              <a:rPr lang="en-US" altLang="ja-JP" dirty="0" err="1"/>
+              <a:t>SystemStudy</a:t>
+            </a:r>
+            <a:endParaRPr kumimoji="1" lang="ja-JP" altLang="en-US" dirty="0"/>
           </a:p>
         </p:txBody>
       </p:sp>
@@ -2352,9 +2375,10 @@
           <a:p>
             <a:pPr algn="ctr"/>
             <a:r>
-              <a:rPr kumimoji="1" lang="ja-JP" altLang="en-US" dirty="0"/>
-              <a:t>ログイン代行システム的な</a:t>
-            </a:r>
+              <a:rPr lang="en-US" altLang="ja-JP" dirty="0" err="1"/>
+              <a:t>SystemStudy</a:t>
+            </a:r>
+            <a:endParaRPr kumimoji="1" lang="ja-JP" altLang="en-US" dirty="0"/>
           </a:p>
         </p:txBody>
       </p:sp>
@@ -3022,9 +3046,10 @@
           <a:p>
             <a:pPr algn="ctr"/>
             <a:r>
-              <a:rPr kumimoji="1" lang="ja-JP" altLang="en-US" dirty="0"/>
-              <a:t>ログイン代行システム的な</a:t>
-            </a:r>
+              <a:rPr lang="en-US" altLang="ja-JP" dirty="0" err="1"/>
+              <a:t>SystemStudy</a:t>
+            </a:r>
+            <a:endParaRPr kumimoji="1" lang="ja-JP" altLang="en-US" dirty="0"/>
           </a:p>
         </p:txBody>
       </p:sp>
@@ -3653,7 +3678,7 @@
           <p:cNvPr id="2" name="タイトル 1">
             <a:extLst>
               <a:ext uri="{FF2B5EF4-FFF2-40B4-BE49-F238E27FC236}">
-                <a16:creationId xmlns:a16="http://schemas.microsoft.com/office/drawing/2014/main" id="{71FE1810-2174-4891-99CA-99BF35FB3AAB}"/>
+                <a16:creationId xmlns:a16="http://schemas.microsoft.com/office/drawing/2014/main" id="{E7C252EC-D79D-4DC6-8114-949596A19500}"/>
               </a:ext>
             </a:extLst>
           </p:cNvPr>
@@ -3671,7 +3696,7 @@
           <a:p>
             <a:r>
               <a:rPr kumimoji="1" lang="ja-JP" altLang="en-US" dirty="0"/>
-              <a:t>テスト要件</a:t>
+              <a:t>非機能要件</a:t>
             </a:r>
           </a:p>
         </p:txBody>
@@ -3681,7 +3706,7 @@
           <p:cNvPr id="3" name="スライド番号プレースホルダー 2">
             <a:extLst>
               <a:ext uri="{FF2B5EF4-FFF2-40B4-BE49-F238E27FC236}">
-                <a16:creationId xmlns:a16="http://schemas.microsoft.com/office/drawing/2014/main" id="{FC07E9D0-C033-4D0B-B7B5-24B92F969630}"/>
+                <a16:creationId xmlns:a16="http://schemas.microsoft.com/office/drawing/2014/main" id="{A6864C96-1978-4213-A7CA-723EDDCB4103}"/>
               </a:ext>
             </a:extLst>
           </p:cNvPr>
@@ -3711,7 +3736,7 @@
           <p:cNvPr id="4" name="テキスト プレースホルダー 3">
             <a:extLst>
               <a:ext uri="{FF2B5EF4-FFF2-40B4-BE49-F238E27FC236}">
-                <a16:creationId xmlns:a16="http://schemas.microsoft.com/office/drawing/2014/main" id="{076C3CE2-40F7-4389-8461-713C8CE343D5}"/>
+                <a16:creationId xmlns:a16="http://schemas.microsoft.com/office/drawing/2014/main" id="{61D39091-1AE1-4624-8C0D-8F15D896EED0}"/>
               </a:ext>
             </a:extLst>
           </p:cNvPr>
@@ -3728,105 +3753,78 @@
           <a:lstStyle/>
           <a:p>
             <a:r>
+              <a:rPr kumimoji="1" lang="ja-JP" altLang="en-US" dirty="0">
+                <a:solidFill>
+                  <a:srgbClr val="FF0000"/>
+                </a:solidFill>
+              </a:rPr>
+              <a:t>・ユーザのパスワードは暗号化する。</a:t>
+            </a:r>
+            <a:endParaRPr kumimoji="1" lang="en-US" altLang="ja-JP" dirty="0">
+              <a:solidFill>
+                <a:srgbClr val="FF0000"/>
+              </a:solidFill>
+            </a:endParaRPr>
+          </a:p>
+          <a:p>
+            <a:r>
               <a:rPr kumimoji="1" lang="ja-JP" altLang="en-US" dirty="0"/>
-              <a:t>・単体試験。</a:t>
-            </a:r>
-            <a:endParaRPr kumimoji="1" lang="en-US" altLang="ja-JP" dirty="0"/>
-          </a:p>
-          <a:p>
-            <a:r>
-              <a:rPr lang="en-US" altLang="ja-JP" dirty="0"/>
-              <a:t>	Junit</a:t>
-            </a:r>
-            <a:r>
-              <a:rPr lang="ja-JP" altLang="en-US" dirty="0"/>
-              <a:t>を用いてた試験。</a:t>
-            </a:r>
-            <a:r>
-              <a:rPr lang="en-US" altLang="ja-JP" dirty="0"/>
+              <a:t>・クライアントごとのアクセス許容範囲を制限する。</a:t>
+            </a:r>
+          </a:p>
+        </p:txBody>
+      </p:sp>
+      <p:sp>
+        <p:nvSpPr>
+          <p:cNvPr id="5" name="テキスト ボックス 4">
+            <a:extLst>
+              <a:ext uri="{FF2B5EF4-FFF2-40B4-BE49-F238E27FC236}">
+                <a16:creationId xmlns:a16="http://schemas.microsoft.com/office/drawing/2014/main" id="{2DB9C830-E161-4708-A584-A0630F150181}"/>
+              </a:ext>
+            </a:extLst>
+          </p:cNvPr>
+          <p:cNvSpPr txBox="1"/>
+          <p:nvPr/>
+        </p:nvSpPr>
+        <p:spPr>
+          <a:xfrm>
+            <a:off x="6816080" y="4581128"/>
+            <a:ext cx="4752528" cy="369332"/>
+          </a:xfrm>
+          <a:prstGeom prst="rect">
+            <a:avLst/>
+          </a:prstGeom>
+          <a:noFill/>
+        </p:spPr>
+        <p:txBody>
+          <a:bodyPr wrap="square" rtlCol="0">
+            <a:spAutoFit/>
+          </a:bodyPr>
+          <a:lstStyle/>
+          <a:p>
+            <a:r>
+              <a:rPr kumimoji="1" lang="en-US" altLang="ja-JP" dirty="0">
+                <a:solidFill>
+                  <a:srgbClr val="FF0000"/>
+                </a:solidFill>
+              </a:rPr>
               <a:t>※</a:t>
             </a:r>
             <a:r>
-              <a:rPr lang="ja-JP" altLang="en-US" dirty="0"/>
-              <a:t>コードカバレッジ目標</a:t>
-            </a:r>
-            <a:r>
-              <a:rPr lang="en-US" altLang="ja-JP" dirty="0"/>
-              <a:t>80%</a:t>
-            </a:r>
-          </a:p>
-          <a:p>
-            <a:r>
-              <a:rPr kumimoji="1" lang="ja-JP" altLang="en-US" dirty="0"/>
-              <a:t>・結合試験</a:t>
-            </a:r>
-            <a:endParaRPr kumimoji="1" lang="en-US" altLang="ja-JP" dirty="0"/>
-          </a:p>
-          <a:p>
-            <a:r>
-              <a:rPr lang="en-US" altLang="ja-JP" dirty="0"/>
-              <a:t>	</a:t>
-            </a:r>
-            <a:r>
-              <a:rPr lang="ja-JP" altLang="en-US" dirty="0"/>
-              <a:t>テスト用画面を用いておこなう。</a:t>
-            </a:r>
-            <a:endParaRPr lang="en-US" altLang="ja-JP" dirty="0"/>
-          </a:p>
-          <a:p>
-            <a:r>
-              <a:rPr lang="ja-JP" altLang="en-US" dirty="0"/>
-              <a:t>・負荷試験</a:t>
-            </a:r>
-            <a:endParaRPr lang="en-US" altLang="ja-JP" dirty="0"/>
-          </a:p>
-          <a:p>
-            <a:r>
-              <a:rPr lang="en-US" altLang="ja-JP" dirty="0"/>
-              <a:t>	</a:t>
-            </a:r>
-            <a:r>
-              <a:rPr lang="en-US" altLang="ja-JP" dirty="0" err="1"/>
-              <a:t>Jmeter</a:t>
-            </a:r>
-            <a:r>
-              <a:rPr lang="ja-JP" altLang="en-US" dirty="0"/>
-              <a:t>を用いて行う。</a:t>
-            </a:r>
-            <a:r>
-              <a:rPr lang="en-US" altLang="ja-JP" dirty="0"/>
-              <a:t>※</a:t>
-            </a:r>
-            <a:r>
-              <a:rPr lang="ja-JP" altLang="en-US" dirty="0"/>
-              <a:t>本番環境ではないため手順のみの確認とする。</a:t>
-            </a:r>
-            <a:endParaRPr lang="en-US" altLang="ja-JP" dirty="0"/>
-          </a:p>
-          <a:p>
-            <a:r>
-              <a:rPr kumimoji="1" lang="ja-JP" altLang="en-US" dirty="0"/>
-              <a:t>・受け入れ試験</a:t>
-            </a:r>
-            <a:endParaRPr kumimoji="1" lang="en-US" altLang="ja-JP" dirty="0"/>
-          </a:p>
-          <a:p>
-            <a:r>
-              <a:rPr lang="en-US" altLang="ja-JP" dirty="0"/>
-              <a:t>	</a:t>
-            </a:r>
-            <a:r>
-              <a:rPr lang="ja-JP" altLang="en-US" dirty="0"/>
-              <a:t>適時対応願う。</a:t>
-            </a:r>
-            <a:endParaRPr kumimoji="1" lang="ja-JP" altLang="en-US" dirty="0"/>
+              <a:rPr kumimoji="1" lang="ja-JP" altLang="en-US" dirty="0">
+                <a:solidFill>
+                  <a:srgbClr val="FF0000"/>
+                </a:solidFill>
+              </a:rPr>
+              <a:t>赤字は優先項目、その他は努力目標</a:t>
+            </a:r>
           </a:p>
         </p:txBody>
       </p:sp>
     </p:spTree>
     <p:extLst>
       <p:ext uri="{BB962C8B-B14F-4D97-AF65-F5344CB8AC3E}">
-        <p14:creationId xmlns:p14="http://schemas.microsoft.com/office/powerpoint/2010/main" val="551001250"/>
+        <p14:creationId xmlns:p14="http://schemas.microsoft.com/office/powerpoint/2010/main" val="177584378"/>
       </p:ext>
     </p:extLst>
   </p:cSld>
@@ -3858,7 +3856,7 @@
           <p:cNvPr id="2" name="タイトル 1">
             <a:extLst>
               <a:ext uri="{FF2B5EF4-FFF2-40B4-BE49-F238E27FC236}">
-                <a16:creationId xmlns:a16="http://schemas.microsoft.com/office/drawing/2014/main" id="{A46D8196-FD88-4766-8C48-98076D7B4501}"/>
+                <a16:creationId xmlns:a16="http://schemas.microsoft.com/office/drawing/2014/main" id="{71FE1810-2174-4891-99CA-99BF35FB3AAB}"/>
               </a:ext>
             </a:extLst>
           </p:cNvPr>
@@ -3875,12 +3873,9 @@
           <a:lstStyle/>
           <a:p>
             <a:r>
-              <a:rPr lang="ja-JP" altLang="en-US" dirty="0">
-                <a:cs typeface="Meiryo UI" panose="020B0604030504040204" pitchFamily="50" charset="-128"/>
-              </a:rPr>
-              <a:t>お問い合わせ</a:t>
-            </a:r>
-            <a:endParaRPr kumimoji="1" lang="ja-JP" altLang="en-US" dirty="0"/>
+              <a:rPr kumimoji="1" lang="ja-JP" altLang="en-US" dirty="0"/>
+              <a:t>テスト要件</a:t>
+            </a:r>
           </a:p>
         </p:txBody>
       </p:sp>
@@ -3889,7 +3884,7 @@
           <p:cNvPr id="3" name="スライド番号プレースホルダー 2">
             <a:extLst>
               <a:ext uri="{FF2B5EF4-FFF2-40B4-BE49-F238E27FC236}">
-                <a16:creationId xmlns:a16="http://schemas.microsoft.com/office/drawing/2014/main" id="{1D32798E-2DB5-469C-9CBE-B4778A65523D}"/>
+                <a16:creationId xmlns:a16="http://schemas.microsoft.com/office/drawing/2014/main" id="{FC07E9D0-C033-4D0B-B7B5-24B92F969630}"/>
               </a:ext>
             </a:extLst>
           </p:cNvPr>
@@ -3909,6 +3904,214 @@
               <a:rPr lang="ja-JP" altLang="en-US" smtClean="0"/>
               <a:pPr/>
               <a:t>14</a:t>
+            </a:fld>
+            <a:endParaRPr lang="ja-JP" altLang="en-US"/>
+          </a:p>
+        </p:txBody>
+      </p:sp>
+      <p:sp>
+        <p:nvSpPr>
+          <p:cNvPr id="4" name="テキスト プレースホルダー 3">
+            <a:extLst>
+              <a:ext uri="{FF2B5EF4-FFF2-40B4-BE49-F238E27FC236}">
+                <a16:creationId xmlns:a16="http://schemas.microsoft.com/office/drawing/2014/main" id="{076C3CE2-40F7-4389-8461-713C8CE343D5}"/>
+              </a:ext>
+            </a:extLst>
+          </p:cNvPr>
+          <p:cNvSpPr>
+            <a:spLocks noGrp="1"/>
+          </p:cNvSpPr>
+          <p:nvPr>
+            <p:ph type="body" sz="quarter" idx="10"/>
+          </p:nvPr>
+        </p:nvSpPr>
+        <p:spPr/>
+        <p:txBody>
+          <a:bodyPr/>
+          <a:lstStyle/>
+          <a:p>
+            <a:r>
+              <a:rPr kumimoji="1" lang="ja-JP" altLang="en-US" dirty="0"/>
+              <a:t>・単体試験。</a:t>
+            </a:r>
+            <a:endParaRPr kumimoji="1" lang="en-US" altLang="ja-JP" dirty="0"/>
+          </a:p>
+          <a:p>
+            <a:r>
+              <a:rPr lang="en-US" altLang="ja-JP" dirty="0"/>
+              <a:t>	Junit</a:t>
+            </a:r>
+            <a:r>
+              <a:rPr lang="ja-JP" altLang="en-US" dirty="0"/>
+              <a:t>を用いてた試験。</a:t>
+            </a:r>
+            <a:r>
+              <a:rPr lang="en-US" altLang="ja-JP" dirty="0"/>
+              <a:t>※</a:t>
+            </a:r>
+            <a:r>
+              <a:rPr lang="ja-JP" altLang="en-US" dirty="0"/>
+              <a:t>コードカバレッジ目標</a:t>
+            </a:r>
+            <a:r>
+              <a:rPr lang="en-US" altLang="ja-JP" dirty="0"/>
+              <a:t>80%</a:t>
+            </a:r>
+          </a:p>
+          <a:p>
+            <a:r>
+              <a:rPr kumimoji="1" lang="ja-JP" altLang="en-US" dirty="0"/>
+              <a:t>・結合試験</a:t>
+            </a:r>
+            <a:endParaRPr kumimoji="1" lang="en-US" altLang="ja-JP" dirty="0"/>
+          </a:p>
+          <a:p>
+            <a:r>
+              <a:rPr lang="en-US" altLang="ja-JP" dirty="0"/>
+              <a:t>	</a:t>
+            </a:r>
+            <a:r>
+              <a:rPr lang="ja-JP" altLang="en-US" dirty="0"/>
+              <a:t>テスト用画面を用いておこなう。</a:t>
+            </a:r>
+            <a:endParaRPr lang="en-US" altLang="ja-JP" dirty="0"/>
+          </a:p>
+          <a:p>
+            <a:r>
+              <a:rPr lang="ja-JP" altLang="en-US" dirty="0"/>
+              <a:t>・負荷試験</a:t>
+            </a:r>
+            <a:endParaRPr lang="en-US" altLang="ja-JP" dirty="0"/>
+          </a:p>
+          <a:p>
+            <a:r>
+              <a:rPr lang="en-US" altLang="ja-JP" dirty="0"/>
+              <a:t>	</a:t>
+            </a:r>
+            <a:r>
+              <a:rPr lang="en-US" altLang="ja-JP" dirty="0" err="1"/>
+              <a:t>Jmeter</a:t>
+            </a:r>
+            <a:r>
+              <a:rPr lang="ja-JP" altLang="en-US" dirty="0"/>
+              <a:t>を用いて行う。</a:t>
+            </a:r>
+            <a:r>
+              <a:rPr lang="en-US" altLang="ja-JP" dirty="0"/>
+              <a:t>※</a:t>
+            </a:r>
+            <a:r>
+              <a:rPr lang="ja-JP" altLang="en-US" dirty="0"/>
+              <a:t>本番環境ではないため手順のみの確認とする。</a:t>
+            </a:r>
+            <a:endParaRPr lang="en-US" altLang="ja-JP" dirty="0"/>
+          </a:p>
+          <a:p>
+            <a:r>
+              <a:rPr kumimoji="1" lang="ja-JP" altLang="en-US" dirty="0"/>
+              <a:t>・受け入れ試験</a:t>
+            </a:r>
+            <a:endParaRPr kumimoji="1" lang="en-US" altLang="ja-JP" dirty="0"/>
+          </a:p>
+          <a:p>
+            <a:r>
+              <a:rPr lang="en-US" altLang="ja-JP" dirty="0"/>
+              <a:t>	</a:t>
+            </a:r>
+            <a:r>
+              <a:rPr lang="ja-JP" altLang="en-US" dirty="0"/>
+              <a:t>適時対応願う。</a:t>
+            </a:r>
+            <a:endParaRPr kumimoji="1" lang="ja-JP" altLang="en-US" dirty="0"/>
+          </a:p>
+        </p:txBody>
+      </p:sp>
+    </p:spTree>
+    <p:extLst>
+      <p:ext uri="{BB962C8B-B14F-4D97-AF65-F5344CB8AC3E}">
+        <p14:creationId xmlns:p14="http://schemas.microsoft.com/office/powerpoint/2010/main" val="551001250"/>
+      </p:ext>
+    </p:extLst>
+  </p:cSld>
+  <p:clrMapOvr>
+    <a:masterClrMapping/>
+  </p:clrMapOvr>
+</p:sld>
+</file>
+
+<file path=ppt/slides/slide15.xml><?xml version="1.0" encoding="utf-8"?>
+<p:sld xmlns:a="http://schemas.openxmlformats.org/drawingml/2006/main" xmlns:r="http://schemas.openxmlformats.org/officeDocument/2006/relationships" xmlns:p="http://schemas.openxmlformats.org/presentationml/2006/main">
+  <p:cSld>
+    <p:spTree>
+      <p:nvGrpSpPr>
+        <p:cNvPr id="1" name=""/>
+        <p:cNvGrpSpPr/>
+        <p:nvPr/>
+      </p:nvGrpSpPr>
+      <p:grpSpPr>
+        <a:xfrm>
+          <a:off x="0" y="0"/>
+          <a:ext cx="0" cy="0"/>
+          <a:chOff x="0" y="0"/>
+          <a:chExt cx="0" cy="0"/>
+        </a:xfrm>
+      </p:grpSpPr>
+      <p:sp>
+        <p:nvSpPr>
+          <p:cNvPr id="2" name="タイトル 1">
+            <a:extLst>
+              <a:ext uri="{FF2B5EF4-FFF2-40B4-BE49-F238E27FC236}">
+                <a16:creationId xmlns:a16="http://schemas.microsoft.com/office/drawing/2014/main" id="{A46D8196-FD88-4766-8C48-98076D7B4501}"/>
+              </a:ext>
+            </a:extLst>
+          </p:cNvPr>
+          <p:cNvSpPr>
+            <a:spLocks noGrp="1"/>
+          </p:cNvSpPr>
+          <p:nvPr>
+            <p:ph type="title"/>
+          </p:nvPr>
+        </p:nvSpPr>
+        <p:spPr/>
+        <p:txBody>
+          <a:bodyPr/>
+          <a:lstStyle/>
+          <a:p>
+            <a:r>
+              <a:rPr lang="ja-JP" altLang="en-US" dirty="0">
+                <a:cs typeface="Meiryo UI" panose="020B0604030504040204" pitchFamily="50" charset="-128"/>
+              </a:rPr>
+              <a:t>お問い合わせ</a:t>
+            </a:r>
+            <a:endParaRPr kumimoji="1" lang="ja-JP" altLang="en-US" dirty="0"/>
+          </a:p>
+        </p:txBody>
+      </p:sp>
+      <p:sp>
+        <p:nvSpPr>
+          <p:cNvPr id="3" name="スライド番号プレースホルダー 2">
+            <a:extLst>
+              <a:ext uri="{FF2B5EF4-FFF2-40B4-BE49-F238E27FC236}">
+                <a16:creationId xmlns:a16="http://schemas.microsoft.com/office/drawing/2014/main" id="{1D32798E-2DB5-469C-9CBE-B4778A65523D}"/>
+              </a:ext>
+            </a:extLst>
+          </p:cNvPr>
+          <p:cNvSpPr>
+            <a:spLocks noGrp="1"/>
+          </p:cNvSpPr>
+          <p:nvPr>
+            <p:ph type="sldNum" sz="quarter" idx="4"/>
+          </p:nvPr>
+        </p:nvSpPr>
+        <p:spPr/>
+        <p:txBody>
+          <a:bodyPr/>
+          <a:lstStyle/>
+          <a:p>
+            <a:fld id="{E973C70A-7240-47FD-9BB0-DD521E8F3CF2}" type="slidenum">
+              <a:rPr lang="ja-JP" altLang="en-US" smtClean="0"/>
+              <a:pPr/>
+              <a:t>15</a:t>
             </a:fld>
             <a:endParaRPr lang="ja-JP" altLang="en-US"/>
           </a:p>
@@ -5181,6 +5384,36 @@
           </a:p>
         </p:txBody>
       </p:sp>
+      <p:pic>
+        <p:nvPicPr>
+          <p:cNvPr id="7" name="図 6">
+            <a:extLst>
+              <a:ext uri="{FF2B5EF4-FFF2-40B4-BE49-F238E27FC236}">
+                <a16:creationId xmlns:a16="http://schemas.microsoft.com/office/drawing/2014/main" id="{78917251-469E-4121-8619-18A2AAD22703}"/>
+              </a:ext>
+            </a:extLst>
+          </p:cNvPr>
+          <p:cNvPicPr>
+            <a:picLocks noChangeAspect="1"/>
+          </p:cNvPicPr>
+          <p:nvPr/>
+        </p:nvPicPr>
+        <p:blipFill>
+          <a:blip r:embed="rId4"/>
+          <a:stretch>
+            <a:fillRect/>
+          </a:stretch>
+        </p:blipFill>
+        <p:spPr>
+          <a:xfrm>
+            <a:off x="8394910" y="824911"/>
+            <a:ext cx="952507" cy="952507"/>
+          </a:xfrm>
+          <a:prstGeom prst="rect">
+            <a:avLst/>
+          </a:prstGeom>
+        </p:spPr>
+      </p:pic>
     </p:spTree>
     <p:extLst>
       <p:ext uri="{BB962C8B-B14F-4D97-AF65-F5344CB8AC3E}">
@@ -5328,7 +5561,10 @@
           <a:bodyPr/>
           <a:lstStyle/>
           <a:p>
-            <a:endParaRPr kumimoji="1" lang="ja-JP" altLang="en-US" dirty="0"/>
+            <a:r>
+              <a:rPr kumimoji="1" lang="ja-JP" altLang="en-US" dirty="0"/>
+              <a:t>・認可代行</a:t>
+            </a:r>
           </a:p>
         </p:txBody>
       </p:sp>
@@ -5384,6 +5620,36 @@
           </a:p>
         </p:txBody>
       </p:sp>
+      <p:pic>
+        <p:nvPicPr>
+          <p:cNvPr id="7" name="図 6">
+            <a:extLst>
+              <a:ext uri="{FF2B5EF4-FFF2-40B4-BE49-F238E27FC236}">
+                <a16:creationId xmlns:a16="http://schemas.microsoft.com/office/drawing/2014/main" id="{D7A25D04-2234-477C-B648-6C710BB84B91}"/>
+              </a:ext>
+            </a:extLst>
+          </p:cNvPr>
+          <p:cNvPicPr>
+            <a:picLocks noChangeAspect="1"/>
+          </p:cNvPicPr>
+          <p:nvPr/>
+        </p:nvPicPr>
+        <p:blipFill>
+          <a:blip r:embed="rId3"/>
+          <a:stretch>
+            <a:fillRect/>
+          </a:stretch>
+        </p:blipFill>
+        <p:spPr>
+          <a:xfrm>
+            <a:off x="6420037" y="1484784"/>
+            <a:ext cx="360040" cy="360040"/>
+          </a:xfrm>
+          <a:prstGeom prst="rect">
+            <a:avLst/>
+          </a:prstGeom>
+        </p:spPr>
+      </p:pic>
     </p:spTree>
     <p:extLst>
       <p:ext uri="{BB962C8B-B14F-4D97-AF65-F5344CB8AC3E}">
@@ -5564,7 +5830,7 @@
           <a:p>
             <a:r>
               <a:rPr lang="ja-JP" altLang="en-US" dirty="0"/>
-              <a:t>・アサーション</a:t>
+              <a:t>・アクセストークン認証</a:t>
             </a:r>
             <a:r>
               <a:rPr lang="en-US" altLang="ja-JP" dirty="0"/>
@@ -7078,9 +7344,10 @@
           <a:p>
             <a:pPr algn="ctr"/>
             <a:r>
-              <a:rPr kumimoji="1" lang="ja-JP" altLang="en-US" dirty="0"/>
-              <a:t>ログイン代行システム的な</a:t>
-            </a:r>
+              <a:rPr kumimoji="1" lang="en-US" altLang="ja-JP" dirty="0" err="1"/>
+              <a:t>SystemStudy</a:t>
+            </a:r>
+            <a:endParaRPr kumimoji="1" lang="ja-JP" altLang="en-US" dirty="0"/>
           </a:p>
         </p:txBody>
       </p:sp>
@@ -7525,9 +7792,10 @@
           <a:p>
             <a:pPr algn="ctr"/>
             <a:r>
-              <a:rPr kumimoji="1" lang="ja-JP" altLang="en-US" dirty="0"/>
-              <a:t>ログイン代行システム的な</a:t>
-            </a:r>
+              <a:rPr lang="en-US" altLang="ja-JP" dirty="0" err="1"/>
+              <a:t>SystemStudy</a:t>
+            </a:r>
+            <a:endParaRPr kumimoji="1" lang="ja-JP" altLang="en-US" dirty="0"/>
           </a:p>
         </p:txBody>
       </p:sp>
@@ -7719,9 +7987,10 @@
           <a:p>
             <a:pPr algn="ctr"/>
             <a:r>
-              <a:rPr kumimoji="1" lang="ja-JP" altLang="en-US" dirty="0"/>
-              <a:t>ログイン代行システム的な</a:t>
-            </a:r>
+              <a:rPr lang="en-US" altLang="ja-JP" dirty="0" err="1"/>
+              <a:t>SystemStudy</a:t>
+            </a:r>
+            <a:endParaRPr kumimoji="1" lang="ja-JP" altLang="en-US" dirty="0"/>
           </a:p>
         </p:txBody>
       </p:sp>

--- a/00_要件定義/要件定義.pptx
+++ b/00_要件定義/要件定義.pptx
@@ -225,7 +225,7 @@
           <a:p>
             <a:fld id="{A046F421-283D-46CC-9584-C06366A5C0C9}" type="datetimeFigureOut">
               <a:rPr kumimoji="1" lang="ja-JP" altLang="en-US" smtClean="0"/>
-              <a:t>2019/11/13</a:t>
+              <a:t>2019/11/15</a:t>
             </a:fld>
             <a:endParaRPr kumimoji="1" lang="ja-JP" altLang="en-US"/>
           </a:p>
@@ -391,7 +391,7 @@
           <a:p>
             <a:fld id="{D5559865-7D75-4A78-B0BE-F90C4DE4465F}" type="datetimeFigureOut">
               <a:rPr kumimoji="1" lang="ja-JP" altLang="en-US" smtClean="0"/>
-              <a:t>2019/11/13</a:t>
+              <a:t>2019/11/15</a:t>
             </a:fld>
             <a:endParaRPr kumimoji="1" lang="ja-JP" altLang="en-US"/>
           </a:p>
@@ -2155,8 +2155,8 @@
           <a:p>
             <a:pPr algn="ctr"/>
             <a:r>
-              <a:rPr lang="en-US" altLang="ja-JP" dirty="0" err="1"/>
-              <a:t>SystemStudy</a:t>
+              <a:rPr lang="en-US" altLang="ja-JP" dirty="0"/>
+              <a:t>System Study</a:t>
             </a:r>
             <a:endParaRPr kumimoji="1" lang="ja-JP" altLang="en-US" dirty="0"/>
           </a:p>
@@ -2375,8 +2375,8 @@
           <a:p>
             <a:pPr algn="ctr"/>
             <a:r>
-              <a:rPr lang="en-US" altLang="ja-JP" dirty="0" err="1"/>
-              <a:t>SystemStudy</a:t>
+              <a:rPr lang="en-US" altLang="ja-JP" dirty="0"/>
+              <a:t>System Study</a:t>
             </a:r>
             <a:endParaRPr kumimoji="1" lang="ja-JP" altLang="en-US" dirty="0"/>
           </a:p>
@@ -3046,8 +3046,8 @@
           <a:p>
             <a:pPr algn="ctr"/>
             <a:r>
-              <a:rPr lang="en-US" altLang="ja-JP" dirty="0" err="1"/>
-              <a:t>SystemStudy</a:t>
+              <a:rPr lang="en-US" altLang="ja-JP" dirty="0"/>
+              <a:t>System Study</a:t>
             </a:r>
             <a:endParaRPr kumimoji="1" lang="ja-JP" altLang="en-US" dirty="0"/>
           </a:p>
@@ -3943,7 +3943,7 @@
             </a:r>
             <a:r>
               <a:rPr lang="ja-JP" altLang="en-US" dirty="0"/>
-              <a:t>を用いてた試験。</a:t>
+              <a:t>を用いる。</a:t>
             </a:r>
             <a:r>
               <a:rPr lang="en-US" altLang="ja-JP" dirty="0"/>
@@ -3986,11 +3986,7 @@
           <a:p>
             <a:r>
               <a:rPr lang="en-US" altLang="ja-JP" dirty="0"/>
-              <a:t>	</a:t>
-            </a:r>
-            <a:r>
-              <a:rPr lang="en-US" altLang="ja-JP" dirty="0" err="1"/>
-              <a:t>Jmeter</a:t>
+              <a:t>	JMeter</a:t>
             </a:r>
             <a:r>
               <a:rPr lang="ja-JP" altLang="en-US" dirty="0"/>
@@ -6015,7 +6011,7 @@
           <p:nvPr>
             <p:extLst>
               <p:ext uri="{D42A27DB-BD31-4B8C-83A1-F6EECF244321}">
-                <p14:modId xmlns:p14="http://schemas.microsoft.com/office/powerpoint/2010/main" val="4132795795"/>
+                <p14:modId xmlns:p14="http://schemas.microsoft.com/office/powerpoint/2010/main" val="3485311490"/>
               </p:ext>
             </p:extLst>
           </p:nvPr>
@@ -6233,10 +6229,6 @@
                     <a:bodyPr/>
                     <a:lstStyle/>
                     <a:p>
-                      <a:r>
-                        <a:rPr kumimoji="1" lang="en-US" altLang="ja-JP" dirty="0"/>
-                        <a:t>html</a:t>
-                      </a:r>
                       <a:endParaRPr kumimoji="1" lang="ja-JP" altLang="en-US" dirty="0"/>
                     </a:p>
                   </a:txBody>
@@ -6523,6 +6515,61 @@
                     <a:p>
                       <a:r>
                         <a:rPr kumimoji="1" lang="ja-JP" altLang="en-US" dirty="0"/>
+                        <a:t>ユーザ情報</a:t>
+                      </a:r>
+                      <a:r>
+                        <a:rPr kumimoji="1" lang="en-US" altLang="ja-JP" dirty="0"/>
+                        <a:t>※</a:t>
+                      </a:r>
+                      <a:endParaRPr kumimoji="1" lang="ja-JP" altLang="en-US" dirty="0"/>
+                    </a:p>
+                  </a:txBody>
+                  <a:tcPr/>
+                </a:tc>
+                <a:tc>
+                  <a:txBody>
+                    <a:bodyPr/>
+                    <a:lstStyle/>
+                    <a:p>
+                      <a:endParaRPr kumimoji="1" lang="ja-JP" altLang="en-US" dirty="0"/>
+                    </a:p>
+                  </a:txBody>
+                  <a:tcPr/>
+                </a:tc>
+                <a:extLst>
+                  <a:ext uri="{0D108BD9-81ED-4DB2-BD59-A6C34878D82A}">
+                    <a16:rowId xmlns:a16="http://schemas.microsoft.com/office/drawing/2014/main" val="873664510"/>
+                  </a:ext>
+                </a:extLst>
+              </a:tr>
+              <a:tr h="370840">
+                <a:tc>
+                  <a:txBody>
+                    <a:bodyPr/>
+                    <a:lstStyle/>
+                    <a:p>
+                      <a:endParaRPr kumimoji="1" lang="ja-JP" altLang="en-US"/>
+                    </a:p>
+                  </a:txBody>
+                  <a:tcPr/>
+                </a:tc>
+                <a:tc>
+                  <a:txBody>
+                    <a:bodyPr/>
+                    <a:lstStyle/>
+                    <a:p>
+                      <a:endParaRPr kumimoji="1" lang="ja-JP" altLang="en-US"/>
+                    </a:p>
+                  </a:txBody>
+                  <a:tcPr/>
+                </a:tc>
+                <a:tc>
+                  <a:txBody>
+                    <a:bodyPr/>
+                    <a:lstStyle/>
+                    <a:p>
+                      <a:r>
+                        <a:rPr kumimoji="1" lang="ja-JP" altLang="en-US" dirty="0"/>
                         <a:t>エラーメッセージ</a:t>
                       </a:r>
                       <a:r>
@@ -6776,77 +6823,6 @@
                   </a:ext>
                 </a:extLst>
               </a:tr>
-              <a:tr h="370840">
-                <a:tc>
-                  <a:txBody>
-                    <a:bodyPr/>
-                    <a:lstStyle/>
-                    <a:p>
-                      <a:endParaRPr kumimoji="1" lang="ja-JP" altLang="en-US"/>
-                    </a:p>
-                  </a:txBody>
-                  <a:tcPr/>
-                </a:tc>
-                <a:tc>
-                  <a:txBody>
-                    <a:bodyPr/>
-                    <a:lstStyle/>
-                    <a:p>
-                      <a:endParaRPr kumimoji="1" lang="ja-JP" altLang="en-US" dirty="0"/>
-                    </a:p>
-                  </a:txBody>
-                  <a:tcPr/>
-                </a:tc>
-                <a:tc>
-                  <a:txBody>
-                    <a:bodyPr/>
-                    <a:lstStyle/>
-                    <a:p>
-                      <a:r>
-                        <a:rPr kumimoji="1" lang="ja-JP" altLang="en-US" dirty="0"/>
-                        <a:t>ユーザ名</a:t>
-                      </a:r>
-                    </a:p>
-                  </a:txBody>
-                  <a:tcPr/>
-                </a:tc>
-                <a:tc>
-                  <a:txBody>
-                    <a:bodyPr/>
-                    <a:lstStyle/>
-                    <a:p>
-                      <a:pPr marL="0" marR="0" lvl="0" indent="0" algn="l" defTabSz="914400" rtl="0" eaLnBrk="1" fontAlgn="auto" latinLnBrk="0" hangingPunct="1">
-                        <a:lnSpc>
-                          <a:spcPct val="100000"/>
-                        </a:lnSpc>
-                        <a:spcBef>
-                          <a:spcPts val="0"/>
-                        </a:spcBef>
-                        <a:spcAft>
-                          <a:spcPts val="0"/>
-                        </a:spcAft>
-                        <a:buClrTx/>
-                        <a:buSzTx/>
-                        <a:buFontTx/>
-                        <a:buNone/>
-                        <a:tabLst/>
-                        <a:defRPr/>
-                      </a:pPr>
-                      <a:r>
-                        <a:rPr kumimoji="1" lang="en-US" altLang="ja-JP" dirty="0"/>
-                        <a:t>Z(10)</a:t>
-                      </a:r>
-                      <a:endParaRPr kumimoji="1" lang="ja-JP" altLang="en-US" dirty="0"/>
-                    </a:p>
-                  </a:txBody>
-                  <a:tcPr/>
-                </a:tc>
-                <a:extLst>
-                  <a:ext uri="{0D108BD9-81ED-4DB2-BD59-A6C34878D82A}">
-                    <a16:rowId xmlns:a16="http://schemas.microsoft.com/office/drawing/2014/main" val="2203798258"/>
-                  </a:ext>
-                </a:extLst>
-              </a:tr>
             </a:tbl>
           </a:graphicData>
         </a:graphic>
@@ -6901,7 +6877,7 @@
                   <a:srgbClr val="FF0000"/>
                 </a:solidFill>
               </a:rPr>
-              <a:t>どちらかのみ返却</a:t>
+              <a:t>任意項目</a:t>
             </a:r>
             <a:endParaRPr kumimoji="1" lang="ja-JP" altLang="en-US" dirty="0">
               <a:solidFill>
@@ -7344,8 +7320,8 @@
           <a:p>
             <a:pPr algn="ctr"/>
             <a:r>
-              <a:rPr kumimoji="1" lang="en-US" altLang="ja-JP" dirty="0" err="1"/>
-              <a:t>SystemStudy</a:t>
+              <a:rPr kumimoji="1" lang="en-US" altLang="ja-JP" dirty="0"/>
+              <a:t>System Study</a:t>
             </a:r>
             <a:endParaRPr kumimoji="1" lang="ja-JP" altLang="en-US" dirty="0"/>
           </a:p>
@@ -7792,8 +7768,8 @@
           <a:p>
             <a:pPr algn="ctr"/>
             <a:r>
-              <a:rPr lang="en-US" altLang="ja-JP" dirty="0" err="1"/>
-              <a:t>SystemStudy</a:t>
+              <a:rPr lang="en-US" altLang="ja-JP" dirty="0"/>
+              <a:t>System Study</a:t>
             </a:r>
             <a:endParaRPr kumimoji="1" lang="ja-JP" altLang="en-US" dirty="0"/>
           </a:p>
@@ -7987,8 +7963,8 @@
           <a:p>
             <a:pPr algn="ctr"/>
             <a:r>
-              <a:rPr lang="en-US" altLang="ja-JP" dirty="0" err="1"/>
-              <a:t>SystemStudy</a:t>
+              <a:rPr lang="en-US" altLang="ja-JP" dirty="0"/>
+              <a:t>System Study</a:t>
             </a:r>
             <a:endParaRPr kumimoji="1" lang="ja-JP" altLang="en-US" dirty="0"/>
           </a:p>
